--- a/octubre.pptx
+++ b/octubre.pptx
@@ -2257,7 +2257,7 @@
             <a:fld id="{56EB7D04-5AC2-4760-A5FB-9FDD47A98D59}" type="datetime1">
               <a:rPr lang="en-US"/>
               <a:pPr lvl="0"/>
-              <a:t>11/6/2023</a:t>
+              <a:t>11/7/2023</a:t>
             </a:fld>
             <a:endParaRPr lang="en-US"/>
           </a:p>
@@ -2493,7 +2493,7 @@
             <a:fld id="{42EF18CD-F245-4E72-BD17-B7171B43ED27}" type="datetime1">
               <a:rPr lang="en-US"/>
               <a:pPr lvl="0"/>
-              <a:t>11/6/2023</a:t>
+              <a:t>11/7/2023</a:t>
             </a:fld>
             <a:endParaRPr lang="en-US"/>
           </a:p>
@@ -2739,7 +2739,7 @@
             <a:fld id="{47E48A53-10AD-4274-A2DF-5DB07226064E}" type="datetime1">
               <a:rPr lang="en-US"/>
               <a:pPr lvl="0"/>
-              <a:t>11/6/2023</a:t>
+              <a:t>11/7/2023</a:t>
             </a:fld>
             <a:endParaRPr lang="en-US"/>
           </a:p>
@@ -2975,7 +2975,7 @@
             <a:fld id="{8B76A369-9461-4ED8-94F2-9C9D6FB71D9D}" type="datetime1">
               <a:rPr lang="en-US"/>
               <a:pPr lvl="0"/>
-              <a:t>11/6/2023</a:t>
+              <a:t>11/7/2023</a:t>
             </a:fld>
             <a:endParaRPr lang="en-US"/>
           </a:p>
@@ -3186,7 +3186,7 @@
             <a:fld id="{5E2F190B-DFA2-43A1-8154-D0EBEE0C623D}" type="datetime1">
               <a:rPr lang="en-US"/>
               <a:pPr lvl="0"/>
-              <a:t>11/6/2023</a:t>
+              <a:t>11/7/2023</a:t>
             </a:fld>
             <a:endParaRPr lang="en-US"/>
           </a:p>
@@ -3506,7 +3506,7 @@
             <a:fld id="{EE68B582-7731-4E13-AD29-4164CD3E4315}" type="datetime1">
               <a:rPr lang="en-US"/>
               <a:pPr lvl="0"/>
-              <a:t>11/6/2023</a:t>
+              <a:t>11/7/2023</a:t>
             </a:fld>
             <a:endParaRPr lang="en-US"/>
           </a:p>
@@ -3910,7 +3910,7 @@
             <a:fld id="{CC3F114F-D987-4FDD-A52D-DFDA9CA1271D}" type="datetime1">
               <a:rPr lang="en-US"/>
               <a:pPr lvl="0"/>
-              <a:t>11/6/2023</a:t>
+              <a:t>11/7/2023</a:t>
             </a:fld>
             <a:endParaRPr lang="en-US"/>
           </a:p>
@@ -4072,7 +4072,7 @@
             <a:fld id="{9A9E1DCD-3D0C-4684-B5F9-4EB78872AECB}" type="datetime1">
               <a:rPr lang="en-US"/>
               <a:pPr lvl="0"/>
-              <a:t>11/6/2023</a:t>
+              <a:t>11/7/2023</a:t>
             </a:fld>
             <a:endParaRPr lang="en-US"/>
           </a:p>
@@ -4200,7 +4200,7 @@
             <a:fld id="{D6AFB321-5E45-45F1-B180-B7EEF739DD18}" type="datetime1">
               <a:rPr lang="en-US"/>
               <a:pPr lvl="0"/>
-              <a:t>11/6/2023</a:t>
+              <a:t>11/7/2023</a:t>
             </a:fld>
             <a:endParaRPr lang="en-US"/>
           </a:p>
@@ -4485,7 +4485,7 @@
             <a:fld id="{A5F23C6F-46C6-48E7-B86E-B4D6167AA078}" type="datetime1">
               <a:rPr lang="en-US"/>
               <a:pPr lvl="0"/>
-              <a:t>11/6/2023</a:t>
+              <a:t>11/7/2023</a:t>
             </a:fld>
             <a:endParaRPr lang="en-US"/>
           </a:p>
@@ -4731,7 +4731,7 @@
             <a:fld id="{42AD7939-5763-49C8-933C-1B4A1F54ADD0}" type="datetime1">
               <a:rPr lang="en-US"/>
               <a:pPr lvl="0"/>
-              <a:t>11/6/2023</a:t>
+              <a:t>11/7/2023</a:t>
             </a:fld>
             <a:endParaRPr lang="en-US"/>
           </a:p>
@@ -5014,7 +5014,7 @@
             <a:fld id="{02E09DAF-5998-4BBA-B59D-5B1EFCBCF357}" type="datetime1">
               <a:rPr lang="en-US"/>
               <a:pPr lvl="0"/>
-              <a:t>11/6/2023</a:t>
+              <a:t>11/7/2023</a:t>
             </a:fld>
             <a:endParaRPr lang="en-US"/>
           </a:p>
@@ -8321,10 +8321,10 @@
       </p:sp>
       <p:pic>
         <p:nvPicPr>
-          <p:cNvPr id="7" name="Imagen 6">
-            <a:extLst>
-              <a:ext uri="{FF2B5EF4-FFF2-40B4-BE49-F238E27FC236}">
-                <a16:creationId xmlns:a16="http://schemas.microsoft.com/office/drawing/2014/main" id="{171795A5-A227-25BF-5450-A81477D3E9D1}"/>
+          <p:cNvPr id="4" name="Imagen 3">
+            <a:extLst>
+              <a:ext uri="{FF2B5EF4-FFF2-40B4-BE49-F238E27FC236}">
+                <a16:creationId xmlns:a16="http://schemas.microsoft.com/office/drawing/2014/main" id="{980B7493-7A9D-3D24-42D4-2823C620F2C2}"/>
               </a:ext>
             </a:extLst>
           </p:cNvPr>
@@ -8341,8 +8341,8 @@
         </p:blipFill>
         <p:spPr>
           <a:xfrm>
-            <a:off x="136688" y="1527138"/>
-            <a:ext cx="11918623" cy="4912659"/>
+            <a:off x="0" y="1210563"/>
+            <a:ext cx="12192000" cy="4436873"/>
           </a:xfrm>
           <a:prstGeom prst="rect">
             <a:avLst/>
